--- a/pages/notebooks/template.pptx
+++ b/pages/notebooks/template.pptx
@@ -1,13 +1,13 @@
 
 <file path=ppt/presentation.xml><?xml version="1.0" encoding="utf-8"?>
-<p:presentation xmlns:a="http://schemas.openxmlformats.org/drawingml/2006/main" xmlns:r="http://schemas.openxmlformats.org/officeDocument/2006/relationships" xmlns:p="http://schemas.openxmlformats.org/presentationml/2006/main" saveSubsetFonts="1">
+<p:presentation xmlns:a="http://schemas.openxmlformats.org/drawingml/2006/main" xmlns:r="http://schemas.openxmlformats.org/officeDocument/2006/relationships" xmlns:p="http://schemas.openxmlformats.org/presentationml/2006/main">
   <p:sldMasterIdLst>
     <p:sldMasterId id="2147483648" r:id="rId1"/>
   </p:sldMasterIdLst>
   <p:sldIdLst>
     <p:sldId id="256" r:id="rId2"/>
-    <p:sldId id="257" r:id="rId3"/>
-    <p:sldId id="258" r:id="rId4"/>
+    <p:sldId id="260" r:id="rId3"/>
+    <p:sldId id="259" r:id="rId4"/>
   </p:sldIdLst>
   <p:sldSz cx="12192000" cy="6858000"/>
   <p:notesSz cx="6858000" cy="9144000"/>
@@ -106,6 +106,11 @@
       </a:defRPr>
     </a:lvl9pPr>
   </p:defaultTextStyle>
+  <p:extLst>
+    <p:ext uri="{EFAFB233-063F-42B5-8137-9DF3F51BA10A}">
+      <p15:sldGuideLst xmlns:p15="http://schemas.microsoft.com/office/powerpoint/2012/main"/>
+    </p:ext>
+  </p:extLst>
 </p:presentation>
 </file>
 
@@ -128,13 +133,7 @@
       </p:grpSpPr>
       <p:sp>
         <p:nvSpPr>
-          <p:cNvPr id="2" name="Title 1">
-            <a:extLst>
-              <a:ext uri="{FF2B5EF4-FFF2-40B4-BE49-F238E27FC236}">
-                <a16:creationId xmlns:a16="http://schemas.microsoft.com/office/drawing/2014/main" id="{343D5213-968D-B061-7294-6F1A3CC0DEFC}"/>
-              </a:ext>
-            </a:extLst>
-          </p:cNvPr>
+          <p:cNvPr id="2" name="Title 1"/>
           <p:cNvSpPr>
             <a:spLocks noGrp="1"/>
           </p:cNvSpPr>
@@ -160,19 +159,12 @@
               <a:rPr lang="en-US"/>
               <a:t>Click to edit Master title style</a:t>
             </a:r>
-            <a:endParaRPr lang="en-IN"/>
-          </a:p>
-        </p:txBody>
-      </p:sp>
-      <p:sp>
-        <p:nvSpPr>
-          <p:cNvPr id="3" name="Subtitle 2">
-            <a:extLst>
-              <a:ext uri="{FF2B5EF4-FFF2-40B4-BE49-F238E27FC236}">
-                <a16:creationId xmlns:a16="http://schemas.microsoft.com/office/drawing/2014/main" id="{AD6DA2DD-5B7D-8F5E-E1B1-03E03EB1F945}"/>
-              </a:ext>
-            </a:extLst>
-          </p:cNvPr>
+          </a:p>
+        </p:txBody>
+      </p:sp>
+      <p:sp>
+        <p:nvSpPr>
+          <p:cNvPr id="3" name="Subtitle 2"/>
           <p:cNvSpPr>
             <a:spLocks noGrp="1"/>
           </p:cNvSpPr>
@@ -231,19 +223,12 @@
               <a:rPr lang="en-US"/>
               <a:t>Click to edit Master subtitle style</a:t>
             </a:r>
-            <a:endParaRPr lang="en-IN"/>
-          </a:p>
-        </p:txBody>
-      </p:sp>
-      <p:sp>
-        <p:nvSpPr>
-          <p:cNvPr id="4" name="Date Placeholder 3">
-            <a:extLst>
-              <a:ext uri="{FF2B5EF4-FFF2-40B4-BE49-F238E27FC236}">
-                <a16:creationId xmlns:a16="http://schemas.microsoft.com/office/drawing/2014/main" id="{D096CA6C-0A3C-EF1B-3176-DB6A67AAF75F}"/>
-              </a:ext>
-            </a:extLst>
-          </p:cNvPr>
+          </a:p>
+        </p:txBody>
+      </p:sp>
+      <p:sp>
+        <p:nvSpPr>
+          <p:cNvPr id="4" name="Date Placeholder 3"/>
           <p:cNvSpPr>
             <a:spLocks noGrp="1"/>
           </p:cNvSpPr>
@@ -256,23 +241,17 @@
           <a:bodyPr/>
           <a:lstStyle/>
           <a:p>
-            <a:fld id="{E5D5616A-B045-49CC-ABD4-AA9E546E504F}" type="datetimeFigureOut">
-              <a:rPr lang="en-IN" smtClean="0"/>
-              <a:t>11-05-2024</a:t>
+            <a:fld id="{63A1C593-65D0-4073-BCC9-577B9352EA97}" type="datetimeFigureOut">
+              <a:rPr lang="en-US" smtClean="0"/>
+              <a:t>5/12/2024</a:t>
             </a:fld>
-            <a:endParaRPr lang="en-IN"/>
-          </a:p>
-        </p:txBody>
-      </p:sp>
-      <p:sp>
-        <p:nvSpPr>
-          <p:cNvPr id="5" name="Footer Placeholder 4">
-            <a:extLst>
-              <a:ext uri="{FF2B5EF4-FFF2-40B4-BE49-F238E27FC236}">
-                <a16:creationId xmlns:a16="http://schemas.microsoft.com/office/drawing/2014/main" id="{7EED0201-0551-D7C4-61C5-86DAB3987EA0}"/>
-              </a:ext>
-            </a:extLst>
-          </p:cNvPr>
+            <a:endParaRPr lang="en-US"/>
+          </a:p>
+        </p:txBody>
+      </p:sp>
+      <p:sp>
+        <p:nvSpPr>
+          <p:cNvPr id="5" name="Footer Placeholder 4"/>
           <p:cNvSpPr>
             <a:spLocks noGrp="1"/>
           </p:cNvSpPr>
@@ -285,19 +264,13 @@
           <a:bodyPr/>
           <a:lstStyle/>
           <a:p>
-            <a:endParaRPr lang="en-IN"/>
-          </a:p>
-        </p:txBody>
-      </p:sp>
-      <p:sp>
-        <p:nvSpPr>
-          <p:cNvPr id="6" name="Slide Number Placeholder 5">
-            <a:extLst>
-              <a:ext uri="{FF2B5EF4-FFF2-40B4-BE49-F238E27FC236}">
-                <a16:creationId xmlns:a16="http://schemas.microsoft.com/office/drawing/2014/main" id="{A911BE46-6D0E-8AA4-04E1-75607A2BC7C2}"/>
-              </a:ext>
-            </a:extLst>
-          </p:cNvPr>
+            <a:endParaRPr lang="en-US"/>
+          </a:p>
+        </p:txBody>
+      </p:sp>
+      <p:sp>
+        <p:nvSpPr>
+          <p:cNvPr id="6" name="Slide Number Placeholder 5"/>
           <p:cNvSpPr>
             <a:spLocks noGrp="1"/>
           </p:cNvSpPr>
@@ -310,20 +283,15 @@
           <a:bodyPr/>
           <a:lstStyle/>
           <a:p>
-            <a:fld id="{3ED8E2B1-EA3A-4537-9915-1150352E4B28}" type="slidenum">
-              <a:rPr lang="en-IN" smtClean="0"/>
+            <a:fld id="{9B618960-8005-486C-9A75-10CB2AAC16F9}" type="slidenum">
+              <a:rPr lang="en-US" smtClean="0"/>
               <a:t>‹#›</a:t>
             </a:fld>
-            <a:endParaRPr lang="en-IN"/>
+            <a:endParaRPr lang="en-US"/>
           </a:p>
         </p:txBody>
       </p:sp>
     </p:spTree>
-    <p:extLst>
-      <p:ext uri="{BB962C8B-B14F-4D97-AF65-F5344CB8AC3E}">
-        <p14:creationId xmlns:p14="http://schemas.microsoft.com/office/powerpoint/2010/main" val="2362001614"/>
-      </p:ext>
-    </p:extLst>
   </p:cSld>
   <p:clrMapOvr>
     <a:masterClrMapping/>
@@ -350,13 +318,7 @@
       </p:grpSpPr>
       <p:sp>
         <p:nvSpPr>
-          <p:cNvPr id="2" name="Title 1">
-            <a:extLst>
-              <a:ext uri="{FF2B5EF4-FFF2-40B4-BE49-F238E27FC236}">
-                <a16:creationId xmlns:a16="http://schemas.microsoft.com/office/drawing/2014/main" id="{46071C94-BB8F-DA8B-5157-4F4059189674}"/>
-              </a:ext>
-            </a:extLst>
-          </p:cNvPr>
+          <p:cNvPr id="2" name="Title 1"/>
           <p:cNvSpPr>
             <a:spLocks noGrp="1"/>
           </p:cNvSpPr>
@@ -373,19 +335,12 @@
               <a:rPr lang="en-US"/>
               <a:t>Click to edit Master title style</a:t>
             </a:r>
-            <a:endParaRPr lang="en-IN"/>
-          </a:p>
-        </p:txBody>
-      </p:sp>
-      <p:sp>
-        <p:nvSpPr>
-          <p:cNvPr id="3" name="Vertical Text Placeholder 2">
-            <a:extLst>
-              <a:ext uri="{FF2B5EF4-FFF2-40B4-BE49-F238E27FC236}">
-                <a16:creationId xmlns:a16="http://schemas.microsoft.com/office/drawing/2014/main" id="{D7A2DF24-A496-2C48-AF98-F03C53281257}"/>
-              </a:ext>
-            </a:extLst>
-          </p:cNvPr>
+          </a:p>
+        </p:txBody>
+      </p:sp>
+      <p:sp>
+        <p:nvSpPr>
+          <p:cNvPr id="3" name="Vertical Text Placeholder 2"/>
           <p:cNvSpPr>
             <a:spLocks noGrp="1"/>
           </p:cNvSpPr>
@@ -431,19 +386,12 @@
               <a:rPr lang="en-US"/>
               <a:t>Fifth level</a:t>
             </a:r>
-            <a:endParaRPr lang="en-IN"/>
-          </a:p>
-        </p:txBody>
-      </p:sp>
-      <p:sp>
-        <p:nvSpPr>
-          <p:cNvPr id="4" name="Date Placeholder 3">
-            <a:extLst>
-              <a:ext uri="{FF2B5EF4-FFF2-40B4-BE49-F238E27FC236}">
-                <a16:creationId xmlns:a16="http://schemas.microsoft.com/office/drawing/2014/main" id="{0C977AD4-693D-DBED-7FCA-6CB2AC710489}"/>
-              </a:ext>
-            </a:extLst>
-          </p:cNvPr>
+          </a:p>
+        </p:txBody>
+      </p:sp>
+      <p:sp>
+        <p:nvSpPr>
+          <p:cNvPr id="4" name="Date Placeholder 3"/>
           <p:cNvSpPr>
             <a:spLocks noGrp="1"/>
           </p:cNvSpPr>
@@ -456,23 +404,17 @@
           <a:bodyPr/>
           <a:lstStyle/>
           <a:p>
-            <a:fld id="{E5D5616A-B045-49CC-ABD4-AA9E546E504F}" type="datetimeFigureOut">
-              <a:rPr lang="en-IN" smtClean="0"/>
-              <a:t>11-05-2024</a:t>
+            <a:fld id="{63A1C593-65D0-4073-BCC9-577B9352EA97}" type="datetimeFigureOut">
+              <a:rPr lang="en-US" smtClean="0"/>
+              <a:t>5/12/2024</a:t>
             </a:fld>
-            <a:endParaRPr lang="en-IN"/>
-          </a:p>
-        </p:txBody>
-      </p:sp>
-      <p:sp>
-        <p:nvSpPr>
-          <p:cNvPr id="5" name="Footer Placeholder 4">
-            <a:extLst>
-              <a:ext uri="{FF2B5EF4-FFF2-40B4-BE49-F238E27FC236}">
-                <a16:creationId xmlns:a16="http://schemas.microsoft.com/office/drawing/2014/main" id="{0F4D8A05-1100-5131-835E-4E126521AF45}"/>
-              </a:ext>
-            </a:extLst>
-          </p:cNvPr>
+            <a:endParaRPr lang="en-US"/>
+          </a:p>
+        </p:txBody>
+      </p:sp>
+      <p:sp>
+        <p:nvSpPr>
+          <p:cNvPr id="5" name="Footer Placeholder 4"/>
           <p:cNvSpPr>
             <a:spLocks noGrp="1"/>
           </p:cNvSpPr>
@@ -485,19 +427,13 @@
           <a:bodyPr/>
           <a:lstStyle/>
           <a:p>
-            <a:endParaRPr lang="en-IN"/>
-          </a:p>
-        </p:txBody>
-      </p:sp>
-      <p:sp>
-        <p:nvSpPr>
-          <p:cNvPr id="6" name="Slide Number Placeholder 5">
-            <a:extLst>
-              <a:ext uri="{FF2B5EF4-FFF2-40B4-BE49-F238E27FC236}">
-                <a16:creationId xmlns:a16="http://schemas.microsoft.com/office/drawing/2014/main" id="{97CBA3AA-3A6C-E870-4FA2-5F80AE6FB4E3}"/>
-              </a:ext>
-            </a:extLst>
-          </p:cNvPr>
+            <a:endParaRPr lang="en-US"/>
+          </a:p>
+        </p:txBody>
+      </p:sp>
+      <p:sp>
+        <p:nvSpPr>
+          <p:cNvPr id="6" name="Slide Number Placeholder 5"/>
           <p:cNvSpPr>
             <a:spLocks noGrp="1"/>
           </p:cNvSpPr>
@@ -510,20 +446,15 @@
           <a:bodyPr/>
           <a:lstStyle/>
           <a:p>
-            <a:fld id="{3ED8E2B1-EA3A-4537-9915-1150352E4B28}" type="slidenum">
-              <a:rPr lang="en-IN" smtClean="0"/>
+            <a:fld id="{9B618960-8005-486C-9A75-10CB2AAC16F9}" type="slidenum">
+              <a:rPr lang="en-US" smtClean="0"/>
               <a:t>‹#›</a:t>
             </a:fld>
-            <a:endParaRPr lang="en-IN"/>
+            <a:endParaRPr lang="en-US"/>
           </a:p>
         </p:txBody>
       </p:sp>
     </p:spTree>
-    <p:extLst>
-      <p:ext uri="{BB962C8B-B14F-4D97-AF65-F5344CB8AC3E}">
-        <p14:creationId xmlns:p14="http://schemas.microsoft.com/office/powerpoint/2010/main" val="2676041118"/>
-      </p:ext>
-    </p:extLst>
   </p:cSld>
   <p:clrMapOvr>
     <a:masterClrMapping/>
@@ -550,13 +481,7 @@
       </p:grpSpPr>
       <p:sp>
         <p:nvSpPr>
-          <p:cNvPr id="2" name="Vertical Title 1">
-            <a:extLst>
-              <a:ext uri="{FF2B5EF4-FFF2-40B4-BE49-F238E27FC236}">
-                <a16:creationId xmlns:a16="http://schemas.microsoft.com/office/drawing/2014/main" id="{FC5DD028-856E-2AFE-93D0-7445A019C7CE}"/>
-              </a:ext>
-            </a:extLst>
-          </p:cNvPr>
+          <p:cNvPr id="2" name="Vertical Title 1"/>
           <p:cNvSpPr>
             <a:spLocks noGrp="1"/>
           </p:cNvSpPr>
@@ -578,19 +503,12 @@
               <a:rPr lang="en-US"/>
               <a:t>Click to edit Master title style</a:t>
             </a:r>
-            <a:endParaRPr lang="en-IN"/>
-          </a:p>
-        </p:txBody>
-      </p:sp>
-      <p:sp>
-        <p:nvSpPr>
-          <p:cNvPr id="3" name="Vertical Text Placeholder 2">
-            <a:extLst>
-              <a:ext uri="{FF2B5EF4-FFF2-40B4-BE49-F238E27FC236}">
-                <a16:creationId xmlns:a16="http://schemas.microsoft.com/office/drawing/2014/main" id="{C09FD951-C555-893B-58FD-9D26C22FB1A7}"/>
-              </a:ext>
-            </a:extLst>
-          </p:cNvPr>
+          </a:p>
+        </p:txBody>
+      </p:sp>
+      <p:sp>
+        <p:nvSpPr>
+          <p:cNvPr id="3" name="Vertical Text Placeholder 2"/>
           <p:cNvSpPr>
             <a:spLocks noGrp="1"/>
           </p:cNvSpPr>
@@ -641,19 +559,12 @@
               <a:rPr lang="en-US"/>
               <a:t>Fifth level</a:t>
             </a:r>
-            <a:endParaRPr lang="en-IN"/>
-          </a:p>
-        </p:txBody>
-      </p:sp>
-      <p:sp>
-        <p:nvSpPr>
-          <p:cNvPr id="4" name="Date Placeholder 3">
-            <a:extLst>
-              <a:ext uri="{FF2B5EF4-FFF2-40B4-BE49-F238E27FC236}">
-                <a16:creationId xmlns:a16="http://schemas.microsoft.com/office/drawing/2014/main" id="{75FB9676-C76E-9260-8888-8FDD4C5785F7}"/>
-              </a:ext>
-            </a:extLst>
-          </p:cNvPr>
+          </a:p>
+        </p:txBody>
+      </p:sp>
+      <p:sp>
+        <p:nvSpPr>
+          <p:cNvPr id="4" name="Date Placeholder 3"/>
           <p:cNvSpPr>
             <a:spLocks noGrp="1"/>
           </p:cNvSpPr>
@@ -666,23 +577,17 @@
           <a:bodyPr/>
           <a:lstStyle/>
           <a:p>
-            <a:fld id="{E5D5616A-B045-49CC-ABD4-AA9E546E504F}" type="datetimeFigureOut">
-              <a:rPr lang="en-IN" smtClean="0"/>
-              <a:t>11-05-2024</a:t>
+            <a:fld id="{63A1C593-65D0-4073-BCC9-577B9352EA97}" type="datetimeFigureOut">
+              <a:rPr lang="en-US" smtClean="0"/>
+              <a:t>5/12/2024</a:t>
             </a:fld>
-            <a:endParaRPr lang="en-IN"/>
-          </a:p>
-        </p:txBody>
-      </p:sp>
-      <p:sp>
-        <p:nvSpPr>
-          <p:cNvPr id="5" name="Footer Placeholder 4">
-            <a:extLst>
-              <a:ext uri="{FF2B5EF4-FFF2-40B4-BE49-F238E27FC236}">
-                <a16:creationId xmlns:a16="http://schemas.microsoft.com/office/drawing/2014/main" id="{AD8E9BBF-7636-EE92-268A-F2449EF751C8}"/>
-              </a:ext>
-            </a:extLst>
-          </p:cNvPr>
+            <a:endParaRPr lang="en-US"/>
+          </a:p>
+        </p:txBody>
+      </p:sp>
+      <p:sp>
+        <p:nvSpPr>
+          <p:cNvPr id="5" name="Footer Placeholder 4"/>
           <p:cNvSpPr>
             <a:spLocks noGrp="1"/>
           </p:cNvSpPr>
@@ -695,19 +600,13 @@
           <a:bodyPr/>
           <a:lstStyle/>
           <a:p>
-            <a:endParaRPr lang="en-IN"/>
-          </a:p>
-        </p:txBody>
-      </p:sp>
-      <p:sp>
-        <p:nvSpPr>
-          <p:cNvPr id="6" name="Slide Number Placeholder 5">
-            <a:extLst>
-              <a:ext uri="{FF2B5EF4-FFF2-40B4-BE49-F238E27FC236}">
-                <a16:creationId xmlns:a16="http://schemas.microsoft.com/office/drawing/2014/main" id="{027998C1-EDD7-ADCD-3775-57711698D48E}"/>
-              </a:ext>
-            </a:extLst>
-          </p:cNvPr>
+            <a:endParaRPr lang="en-US"/>
+          </a:p>
+        </p:txBody>
+      </p:sp>
+      <p:sp>
+        <p:nvSpPr>
+          <p:cNvPr id="6" name="Slide Number Placeholder 5"/>
           <p:cNvSpPr>
             <a:spLocks noGrp="1"/>
           </p:cNvSpPr>
@@ -720,20 +619,15 @@
           <a:bodyPr/>
           <a:lstStyle/>
           <a:p>
-            <a:fld id="{3ED8E2B1-EA3A-4537-9915-1150352E4B28}" type="slidenum">
-              <a:rPr lang="en-IN" smtClean="0"/>
+            <a:fld id="{9B618960-8005-486C-9A75-10CB2AAC16F9}" type="slidenum">
+              <a:rPr lang="en-US" smtClean="0"/>
               <a:t>‹#›</a:t>
             </a:fld>
-            <a:endParaRPr lang="en-IN"/>
+            <a:endParaRPr lang="en-US"/>
           </a:p>
         </p:txBody>
       </p:sp>
     </p:spTree>
-    <p:extLst>
-      <p:ext uri="{BB962C8B-B14F-4D97-AF65-F5344CB8AC3E}">
-        <p14:creationId xmlns:p14="http://schemas.microsoft.com/office/powerpoint/2010/main" val="1102763589"/>
-      </p:ext>
-    </p:extLst>
   </p:cSld>
   <p:clrMapOvr>
     <a:masterClrMapping/>
@@ -760,13 +654,7 @@
       </p:grpSpPr>
       <p:sp>
         <p:nvSpPr>
-          <p:cNvPr id="2" name="Title 1">
-            <a:extLst>
-              <a:ext uri="{FF2B5EF4-FFF2-40B4-BE49-F238E27FC236}">
-                <a16:creationId xmlns:a16="http://schemas.microsoft.com/office/drawing/2014/main" id="{06CAEC2B-AB19-54DE-36E1-71D87676F1E1}"/>
-              </a:ext>
-            </a:extLst>
-          </p:cNvPr>
+          <p:cNvPr id="2" name="Title 1"/>
           <p:cNvSpPr>
             <a:spLocks noGrp="1"/>
           </p:cNvSpPr>
@@ -783,19 +671,12 @@
               <a:rPr lang="en-US"/>
               <a:t>Click to edit Master title style</a:t>
             </a:r>
-            <a:endParaRPr lang="en-IN"/>
-          </a:p>
-        </p:txBody>
-      </p:sp>
-      <p:sp>
-        <p:nvSpPr>
-          <p:cNvPr id="3" name="Content Placeholder 2">
-            <a:extLst>
-              <a:ext uri="{FF2B5EF4-FFF2-40B4-BE49-F238E27FC236}">
-                <a16:creationId xmlns:a16="http://schemas.microsoft.com/office/drawing/2014/main" id="{283796CB-83DB-B730-193E-27CF86EDFE32}"/>
-              </a:ext>
-            </a:extLst>
-          </p:cNvPr>
+          </a:p>
+        </p:txBody>
+      </p:sp>
+      <p:sp>
+        <p:nvSpPr>
+          <p:cNvPr id="3" name="Content Placeholder 2"/>
           <p:cNvSpPr>
             <a:spLocks noGrp="1"/>
           </p:cNvSpPr>
@@ -841,19 +722,12 @@
               <a:rPr lang="en-US"/>
               <a:t>Fifth level</a:t>
             </a:r>
-            <a:endParaRPr lang="en-IN"/>
-          </a:p>
-        </p:txBody>
-      </p:sp>
-      <p:sp>
-        <p:nvSpPr>
-          <p:cNvPr id="4" name="Date Placeholder 3">
-            <a:extLst>
-              <a:ext uri="{FF2B5EF4-FFF2-40B4-BE49-F238E27FC236}">
-                <a16:creationId xmlns:a16="http://schemas.microsoft.com/office/drawing/2014/main" id="{FD2FD714-F274-F3A9-5302-FCB7C1B4F780}"/>
-              </a:ext>
-            </a:extLst>
-          </p:cNvPr>
+          </a:p>
+        </p:txBody>
+      </p:sp>
+      <p:sp>
+        <p:nvSpPr>
+          <p:cNvPr id="4" name="Date Placeholder 3"/>
           <p:cNvSpPr>
             <a:spLocks noGrp="1"/>
           </p:cNvSpPr>
@@ -866,23 +740,17 @@
           <a:bodyPr/>
           <a:lstStyle/>
           <a:p>
-            <a:fld id="{E5D5616A-B045-49CC-ABD4-AA9E546E504F}" type="datetimeFigureOut">
-              <a:rPr lang="en-IN" smtClean="0"/>
-              <a:t>11-05-2024</a:t>
+            <a:fld id="{63A1C593-65D0-4073-BCC9-577B9352EA97}" type="datetimeFigureOut">
+              <a:rPr lang="en-US" smtClean="0"/>
+              <a:t>5/12/2024</a:t>
             </a:fld>
-            <a:endParaRPr lang="en-IN"/>
-          </a:p>
-        </p:txBody>
-      </p:sp>
-      <p:sp>
-        <p:nvSpPr>
-          <p:cNvPr id="5" name="Footer Placeholder 4">
-            <a:extLst>
-              <a:ext uri="{FF2B5EF4-FFF2-40B4-BE49-F238E27FC236}">
-                <a16:creationId xmlns:a16="http://schemas.microsoft.com/office/drawing/2014/main" id="{85E2BE49-BCCB-3140-7FD2-A20135C2E3B3}"/>
-              </a:ext>
-            </a:extLst>
-          </p:cNvPr>
+            <a:endParaRPr lang="en-US"/>
+          </a:p>
+        </p:txBody>
+      </p:sp>
+      <p:sp>
+        <p:nvSpPr>
+          <p:cNvPr id="5" name="Footer Placeholder 4"/>
           <p:cNvSpPr>
             <a:spLocks noGrp="1"/>
           </p:cNvSpPr>
@@ -895,19 +763,13 @@
           <a:bodyPr/>
           <a:lstStyle/>
           <a:p>
-            <a:endParaRPr lang="en-IN"/>
-          </a:p>
-        </p:txBody>
-      </p:sp>
-      <p:sp>
-        <p:nvSpPr>
-          <p:cNvPr id="6" name="Slide Number Placeholder 5">
-            <a:extLst>
-              <a:ext uri="{FF2B5EF4-FFF2-40B4-BE49-F238E27FC236}">
-                <a16:creationId xmlns:a16="http://schemas.microsoft.com/office/drawing/2014/main" id="{CE6A8680-6915-7171-1A93-B50F0DB53D8C}"/>
-              </a:ext>
-            </a:extLst>
-          </p:cNvPr>
+            <a:endParaRPr lang="en-US"/>
+          </a:p>
+        </p:txBody>
+      </p:sp>
+      <p:sp>
+        <p:nvSpPr>
+          <p:cNvPr id="6" name="Slide Number Placeholder 5"/>
           <p:cNvSpPr>
             <a:spLocks noGrp="1"/>
           </p:cNvSpPr>
@@ -920,20 +782,15 @@
           <a:bodyPr/>
           <a:lstStyle/>
           <a:p>
-            <a:fld id="{3ED8E2B1-EA3A-4537-9915-1150352E4B28}" type="slidenum">
-              <a:rPr lang="en-IN" smtClean="0"/>
+            <a:fld id="{9B618960-8005-486C-9A75-10CB2AAC16F9}" type="slidenum">
+              <a:rPr lang="en-US" smtClean="0"/>
               <a:t>‹#›</a:t>
             </a:fld>
-            <a:endParaRPr lang="en-IN"/>
+            <a:endParaRPr lang="en-US"/>
           </a:p>
         </p:txBody>
       </p:sp>
     </p:spTree>
-    <p:extLst>
-      <p:ext uri="{BB962C8B-B14F-4D97-AF65-F5344CB8AC3E}">
-        <p14:creationId xmlns:p14="http://schemas.microsoft.com/office/powerpoint/2010/main" val="2791982108"/>
-      </p:ext>
-    </p:extLst>
   </p:cSld>
   <p:clrMapOvr>
     <a:masterClrMapping/>
@@ -960,13 +817,7 @@
       </p:grpSpPr>
       <p:sp>
         <p:nvSpPr>
-          <p:cNvPr id="2" name="Title 1">
-            <a:extLst>
-              <a:ext uri="{FF2B5EF4-FFF2-40B4-BE49-F238E27FC236}">
-                <a16:creationId xmlns:a16="http://schemas.microsoft.com/office/drawing/2014/main" id="{FB6EBEDD-3DA9-BCE5-7155-361986B74E77}"/>
-              </a:ext>
-            </a:extLst>
-          </p:cNvPr>
+          <p:cNvPr id="2" name="Title 1"/>
           <p:cNvSpPr>
             <a:spLocks noGrp="1"/>
           </p:cNvSpPr>
@@ -992,19 +843,12 @@
               <a:rPr lang="en-US"/>
               <a:t>Click to edit Master title style</a:t>
             </a:r>
-            <a:endParaRPr lang="en-IN"/>
-          </a:p>
-        </p:txBody>
-      </p:sp>
-      <p:sp>
-        <p:nvSpPr>
-          <p:cNvPr id="3" name="Text Placeholder 2">
-            <a:extLst>
-              <a:ext uri="{FF2B5EF4-FFF2-40B4-BE49-F238E27FC236}">
-                <a16:creationId xmlns:a16="http://schemas.microsoft.com/office/drawing/2014/main" id="{C61BCB7F-4B73-84CE-26D9-9E6437A95BC1}"/>
-              </a:ext>
-            </a:extLst>
-          </p:cNvPr>
+          </a:p>
+        </p:txBody>
+      </p:sp>
+      <p:sp>
+        <p:nvSpPr>
+          <p:cNvPr id="3" name="Text Placeholder 2"/>
           <p:cNvSpPr>
             <a:spLocks noGrp="1"/>
           </p:cNvSpPr>
@@ -1123,13 +967,7 @@
       </p:sp>
       <p:sp>
         <p:nvSpPr>
-          <p:cNvPr id="4" name="Date Placeholder 3">
-            <a:extLst>
-              <a:ext uri="{FF2B5EF4-FFF2-40B4-BE49-F238E27FC236}">
-                <a16:creationId xmlns:a16="http://schemas.microsoft.com/office/drawing/2014/main" id="{3BD622E2-91F3-1A45-2EFA-FAF76F154C8E}"/>
-              </a:ext>
-            </a:extLst>
-          </p:cNvPr>
+          <p:cNvPr id="4" name="Date Placeholder 3"/>
           <p:cNvSpPr>
             <a:spLocks noGrp="1"/>
           </p:cNvSpPr>
@@ -1142,23 +980,17 @@
           <a:bodyPr/>
           <a:lstStyle/>
           <a:p>
-            <a:fld id="{E5D5616A-B045-49CC-ABD4-AA9E546E504F}" type="datetimeFigureOut">
-              <a:rPr lang="en-IN" smtClean="0"/>
-              <a:t>11-05-2024</a:t>
+            <a:fld id="{63A1C593-65D0-4073-BCC9-577B9352EA97}" type="datetimeFigureOut">
+              <a:rPr lang="en-US" smtClean="0"/>
+              <a:t>5/12/2024</a:t>
             </a:fld>
-            <a:endParaRPr lang="en-IN"/>
-          </a:p>
-        </p:txBody>
-      </p:sp>
-      <p:sp>
-        <p:nvSpPr>
-          <p:cNvPr id="5" name="Footer Placeholder 4">
-            <a:extLst>
-              <a:ext uri="{FF2B5EF4-FFF2-40B4-BE49-F238E27FC236}">
-                <a16:creationId xmlns:a16="http://schemas.microsoft.com/office/drawing/2014/main" id="{05C09202-07DD-8DE3-0555-FF9F67114A6A}"/>
-              </a:ext>
-            </a:extLst>
-          </p:cNvPr>
+            <a:endParaRPr lang="en-US"/>
+          </a:p>
+        </p:txBody>
+      </p:sp>
+      <p:sp>
+        <p:nvSpPr>
+          <p:cNvPr id="5" name="Footer Placeholder 4"/>
           <p:cNvSpPr>
             <a:spLocks noGrp="1"/>
           </p:cNvSpPr>
@@ -1171,19 +1003,13 @@
           <a:bodyPr/>
           <a:lstStyle/>
           <a:p>
-            <a:endParaRPr lang="en-IN"/>
-          </a:p>
-        </p:txBody>
-      </p:sp>
-      <p:sp>
-        <p:nvSpPr>
-          <p:cNvPr id="6" name="Slide Number Placeholder 5">
-            <a:extLst>
-              <a:ext uri="{FF2B5EF4-FFF2-40B4-BE49-F238E27FC236}">
-                <a16:creationId xmlns:a16="http://schemas.microsoft.com/office/drawing/2014/main" id="{9DCBE1F6-5A6A-5F17-F371-9DB6627078E5}"/>
-              </a:ext>
-            </a:extLst>
-          </p:cNvPr>
+            <a:endParaRPr lang="en-US"/>
+          </a:p>
+        </p:txBody>
+      </p:sp>
+      <p:sp>
+        <p:nvSpPr>
+          <p:cNvPr id="6" name="Slide Number Placeholder 5"/>
           <p:cNvSpPr>
             <a:spLocks noGrp="1"/>
           </p:cNvSpPr>
@@ -1196,20 +1022,15 @@
           <a:bodyPr/>
           <a:lstStyle/>
           <a:p>
-            <a:fld id="{3ED8E2B1-EA3A-4537-9915-1150352E4B28}" type="slidenum">
-              <a:rPr lang="en-IN" smtClean="0"/>
+            <a:fld id="{9B618960-8005-486C-9A75-10CB2AAC16F9}" type="slidenum">
+              <a:rPr lang="en-US" smtClean="0"/>
               <a:t>‹#›</a:t>
             </a:fld>
-            <a:endParaRPr lang="en-IN"/>
+            <a:endParaRPr lang="en-US"/>
           </a:p>
         </p:txBody>
       </p:sp>
     </p:spTree>
-    <p:extLst>
-      <p:ext uri="{BB962C8B-B14F-4D97-AF65-F5344CB8AC3E}">
-        <p14:creationId xmlns:p14="http://schemas.microsoft.com/office/powerpoint/2010/main" val="3140588514"/>
-      </p:ext>
-    </p:extLst>
   </p:cSld>
   <p:clrMapOvr>
     <a:masterClrMapping/>
@@ -1236,13 +1057,7 @@
       </p:grpSpPr>
       <p:sp>
         <p:nvSpPr>
-          <p:cNvPr id="2" name="Title 1">
-            <a:extLst>
-              <a:ext uri="{FF2B5EF4-FFF2-40B4-BE49-F238E27FC236}">
-                <a16:creationId xmlns:a16="http://schemas.microsoft.com/office/drawing/2014/main" id="{D5DBF6BF-CAE2-976F-0DCA-ADB20055A020}"/>
-              </a:ext>
-            </a:extLst>
-          </p:cNvPr>
+          <p:cNvPr id="2" name="Title 1"/>
           <p:cNvSpPr>
             <a:spLocks noGrp="1"/>
           </p:cNvSpPr>
@@ -1259,19 +1074,12 @@
               <a:rPr lang="en-US"/>
               <a:t>Click to edit Master title style</a:t>
             </a:r>
-            <a:endParaRPr lang="en-IN"/>
-          </a:p>
-        </p:txBody>
-      </p:sp>
-      <p:sp>
-        <p:nvSpPr>
-          <p:cNvPr id="3" name="Content Placeholder 2">
-            <a:extLst>
-              <a:ext uri="{FF2B5EF4-FFF2-40B4-BE49-F238E27FC236}">
-                <a16:creationId xmlns:a16="http://schemas.microsoft.com/office/drawing/2014/main" id="{EF033BCE-6CD7-32B2-A2F4-C5FDE631BB72}"/>
-              </a:ext>
-            </a:extLst>
-          </p:cNvPr>
+          </a:p>
+        </p:txBody>
+      </p:sp>
+      <p:sp>
+        <p:nvSpPr>
+          <p:cNvPr id="3" name="Content Placeholder 2"/>
           <p:cNvSpPr>
             <a:spLocks noGrp="1"/>
           </p:cNvSpPr>
@@ -1322,19 +1130,12 @@
               <a:rPr lang="en-US"/>
               <a:t>Fifth level</a:t>
             </a:r>
-            <a:endParaRPr lang="en-IN"/>
-          </a:p>
-        </p:txBody>
-      </p:sp>
-      <p:sp>
-        <p:nvSpPr>
-          <p:cNvPr id="4" name="Content Placeholder 3">
-            <a:extLst>
-              <a:ext uri="{FF2B5EF4-FFF2-40B4-BE49-F238E27FC236}">
-                <a16:creationId xmlns:a16="http://schemas.microsoft.com/office/drawing/2014/main" id="{92253535-043B-6613-F438-4BC34786F7B2}"/>
-              </a:ext>
-            </a:extLst>
-          </p:cNvPr>
+          </a:p>
+        </p:txBody>
+      </p:sp>
+      <p:sp>
+        <p:nvSpPr>
+          <p:cNvPr id="4" name="Content Placeholder 3"/>
           <p:cNvSpPr>
             <a:spLocks noGrp="1"/>
           </p:cNvSpPr>
@@ -1385,19 +1186,12 @@
               <a:rPr lang="en-US"/>
               <a:t>Fifth level</a:t>
             </a:r>
-            <a:endParaRPr lang="en-IN"/>
-          </a:p>
-        </p:txBody>
-      </p:sp>
-      <p:sp>
-        <p:nvSpPr>
-          <p:cNvPr id="5" name="Date Placeholder 4">
-            <a:extLst>
-              <a:ext uri="{FF2B5EF4-FFF2-40B4-BE49-F238E27FC236}">
-                <a16:creationId xmlns:a16="http://schemas.microsoft.com/office/drawing/2014/main" id="{26CA8A6D-A177-9B0D-D982-5D8C77935E74}"/>
-              </a:ext>
-            </a:extLst>
-          </p:cNvPr>
+          </a:p>
+        </p:txBody>
+      </p:sp>
+      <p:sp>
+        <p:nvSpPr>
+          <p:cNvPr id="5" name="Date Placeholder 4"/>
           <p:cNvSpPr>
             <a:spLocks noGrp="1"/>
           </p:cNvSpPr>
@@ -1410,23 +1204,17 @@
           <a:bodyPr/>
           <a:lstStyle/>
           <a:p>
-            <a:fld id="{E5D5616A-B045-49CC-ABD4-AA9E546E504F}" type="datetimeFigureOut">
-              <a:rPr lang="en-IN" smtClean="0"/>
-              <a:t>11-05-2024</a:t>
+            <a:fld id="{63A1C593-65D0-4073-BCC9-577B9352EA97}" type="datetimeFigureOut">
+              <a:rPr lang="en-US" smtClean="0"/>
+              <a:t>5/12/2024</a:t>
             </a:fld>
-            <a:endParaRPr lang="en-IN"/>
-          </a:p>
-        </p:txBody>
-      </p:sp>
-      <p:sp>
-        <p:nvSpPr>
-          <p:cNvPr id="6" name="Footer Placeholder 5">
-            <a:extLst>
-              <a:ext uri="{FF2B5EF4-FFF2-40B4-BE49-F238E27FC236}">
-                <a16:creationId xmlns:a16="http://schemas.microsoft.com/office/drawing/2014/main" id="{A6524A45-309D-CF7A-DEA9-6325D807121C}"/>
-              </a:ext>
-            </a:extLst>
-          </p:cNvPr>
+            <a:endParaRPr lang="en-US"/>
+          </a:p>
+        </p:txBody>
+      </p:sp>
+      <p:sp>
+        <p:nvSpPr>
+          <p:cNvPr id="6" name="Footer Placeholder 5"/>
           <p:cNvSpPr>
             <a:spLocks noGrp="1"/>
           </p:cNvSpPr>
@@ -1439,19 +1227,13 @@
           <a:bodyPr/>
           <a:lstStyle/>
           <a:p>
-            <a:endParaRPr lang="en-IN"/>
-          </a:p>
-        </p:txBody>
-      </p:sp>
-      <p:sp>
-        <p:nvSpPr>
-          <p:cNvPr id="7" name="Slide Number Placeholder 6">
-            <a:extLst>
-              <a:ext uri="{FF2B5EF4-FFF2-40B4-BE49-F238E27FC236}">
-                <a16:creationId xmlns:a16="http://schemas.microsoft.com/office/drawing/2014/main" id="{F4ED248E-CAD0-0A88-4267-9080C7128212}"/>
-              </a:ext>
-            </a:extLst>
-          </p:cNvPr>
+            <a:endParaRPr lang="en-US"/>
+          </a:p>
+        </p:txBody>
+      </p:sp>
+      <p:sp>
+        <p:nvSpPr>
+          <p:cNvPr id="7" name="Slide Number Placeholder 6"/>
           <p:cNvSpPr>
             <a:spLocks noGrp="1"/>
           </p:cNvSpPr>
@@ -1464,20 +1246,15 @@
           <a:bodyPr/>
           <a:lstStyle/>
           <a:p>
-            <a:fld id="{3ED8E2B1-EA3A-4537-9915-1150352E4B28}" type="slidenum">
-              <a:rPr lang="en-IN" smtClean="0"/>
+            <a:fld id="{9B618960-8005-486C-9A75-10CB2AAC16F9}" type="slidenum">
+              <a:rPr lang="en-US" smtClean="0"/>
               <a:t>‹#›</a:t>
             </a:fld>
-            <a:endParaRPr lang="en-IN"/>
+            <a:endParaRPr lang="en-US"/>
           </a:p>
         </p:txBody>
       </p:sp>
     </p:spTree>
-    <p:extLst>
-      <p:ext uri="{BB962C8B-B14F-4D97-AF65-F5344CB8AC3E}">
-        <p14:creationId xmlns:p14="http://schemas.microsoft.com/office/powerpoint/2010/main" val="2182301507"/>
-      </p:ext>
-    </p:extLst>
   </p:cSld>
   <p:clrMapOvr>
     <a:masterClrMapping/>
@@ -1504,13 +1281,7 @@
       </p:grpSpPr>
       <p:sp>
         <p:nvSpPr>
-          <p:cNvPr id="2" name="Title 1">
-            <a:extLst>
-              <a:ext uri="{FF2B5EF4-FFF2-40B4-BE49-F238E27FC236}">
-                <a16:creationId xmlns:a16="http://schemas.microsoft.com/office/drawing/2014/main" id="{39FC6359-429E-EC23-9B1E-61B147418AD9}"/>
-              </a:ext>
-            </a:extLst>
-          </p:cNvPr>
+          <p:cNvPr id="2" name="Title 1"/>
           <p:cNvSpPr>
             <a:spLocks noGrp="1"/>
           </p:cNvSpPr>
@@ -1532,19 +1303,12 @@
               <a:rPr lang="en-US"/>
               <a:t>Click to edit Master title style</a:t>
             </a:r>
-            <a:endParaRPr lang="en-IN"/>
-          </a:p>
-        </p:txBody>
-      </p:sp>
-      <p:sp>
-        <p:nvSpPr>
-          <p:cNvPr id="3" name="Text Placeholder 2">
-            <a:extLst>
-              <a:ext uri="{FF2B5EF4-FFF2-40B4-BE49-F238E27FC236}">
-                <a16:creationId xmlns:a16="http://schemas.microsoft.com/office/drawing/2014/main" id="{23E31775-AF5F-8A05-717E-FCFB24F0E1B4}"/>
-              </a:ext>
-            </a:extLst>
-          </p:cNvPr>
+          </a:p>
+        </p:txBody>
+      </p:sp>
+      <p:sp>
+        <p:nvSpPr>
+          <p:cNvPr id="3" name="Text Placeholder 2"/>
           <p:cNvSpPr>
             <a:spLocks noGrp="1"/>
           </p:cNvSpPr>
@@ -1609,13 +1373,7 @@
       </p:sp>
       <p:sp>
         <p:nvSpPr>
-          <p:cNvPr id="4" name="Content Placeholder 3">
-            <a:extLst>
-              <a:ext uri="{FF2B5EF4-FFF2-40B4-BE49-F238E27FC236}">
-                <a16:creationId xmlns:a16="http://schemas.microsoft.com/office/drawing/2014/main" id="{7C172136-A9AB-A627-662D-B3814CDE0963}"/>
-              </a:ext>
-            </a:extLst>
-          </p:cNvPr>
+          <p:cNvPr id="4" name="Content Placeholder 3"/>
           <p:cNvSpPr>
             <a:spLocks noGrp="1"/>
           </p:cNvSpPr>
@@ -1666,19 +1424,12 @@
               <a:rPr lang="en-US"/>
               <a:t>Fifth level</a:t>
             </a:r>
-            <a:endParaRPr lang="en-IN"/>
-          </a:p>
-        </p:txBody>
-      </p:sp>
-      <p:sp>
-        <p:nvSpPr>
-          <p:cNvPr id="5" name="Text Placeholder 4">
-            <a:extLst>
-              <a:ext uri="{FF2B5EF4-FFF2-40B4-BE49-F238E27FC236}">
-                <a16:creationId xmlns:a16="http://schemas.microsoft.com/office/drawing/2014/main" id="{FF6FA0AE-B16D-45E2-C66B-34014E693158}"/>
-              </a:ext>
-            </a:extLst>
-          </p:cNvPr>
+          </a:p>
+        </p:txBody>
+      </p:sp>
+      <p:sp>
+        <p:nvSpPr>
+          <p:cNvPr id="5" name="Text Placeholder 4"/>
           <p:cNvSpPr>
             <a:spLocks noGrp="1"/>
           </p:cNvSpPr>
@@ -1743,13 +1494,7 @@
       </p:sp>
       <p:sp>
         <p:nvSpPr>
-          <p:cNvPr id="6" name="Content Placeholder 5">
-            <a:extLst>
-              <a:ext uri="{FF2B5EF4-FFF2-40B4-BE49-F238E27FC236}">
-                <a16:creationId xmlns:a16="http://schemas.microsoft.com/office/drawing/2014/main" id="{91B29591-D87D-A2A4-5993-133E00BF8420}"/>
-              </a:ext>
-            </a:extLst>
-          </p:cNvPr>
+          <p:cNvPr id="6" name="Content Placeholder 5"/>
           <p:cNvSpPr>
             <a:spLocks noGrp="1"/>
           </p:cNvSpPr>
@@ -1800,19 +1545,12 @@
               <a:rPr lang="en-US"/>
               <a:t>Fifth level</a:t>
             </a:r>
-            <a:endParaRPr lang="en-IN"/>
-          </a:p>
-        </p:txBody>
-      </p:sp>
-      <p:sp>
-        <p:nvSpPr>
-          <p:cNvPr id="7" name="Date Placeholder 6">
-            <a:extLst>
-              <a:ext uri="{FF2B5EF4-FFF2-40B4-BE49-F238E27FC236}">
-                <a16:creationId xmlns:a16="http://schemas.microsoft.com/office/drawing/2014/main" id="{7F6900C2-95A7-E407-A073-7C99584A6032}"/>
-              </a:ext>
-            </a:extLst>
-          </p:cNvPr>
+          </a:p>
+        </p:txBody>
+      </p:sp>
+      <p:sp>
+        <p:nvSpPr>
+          <p:cNvPr id="7" name="Date Placeholder 6"/>
           <p:cNvSpPr>
             <a:spLocks noGrp="1"/>
           </p:cNvSpPr>
@@ -1825,23 +1563,17 @@
           <a:bodyPr/>
           <a:lstStyle/>
           <a:p>
-            <a:fld id="{E5D5616A-B045-49CC-ABD4-AA9E546E504F}" type="datetimeFigureOut">
-              <a:rPr lang="en-IN" smtClean="0"/>
-              <a:t>11-05-2024</a:t>
+            <a:fld id="{63A1C593-65D0-4073-BCC9-577B9352EA97}" type="datetimeFigureOut">
+              <a:rPr lang="en-US" smtClean="0"/>
+              <a:t>5/12/2024</a:t>
             </a:fld>
-            <a:endParaRPr lang="en-IN"/>
-          </a:p>
-        </p:txBody>
-      </p:sp>
-      <p:sp>
-        <p:nvSpPr>
-          <p:cNvPr id="8" name="Footer Placeholder 7">
-            <a:extLst>
-              <a:ext uri="{FF2B5EF4-FFF2-40B4-BE49-F238E27FC236}">
-                <a16:creationId xmlns:a16="http://schemas.microsoft.com/office/drawing/2014/main" id="{EC23C93E-6143-2209-556A-ACADEDFBF72B}"/>
-              </a:ext>
-            </a:extLst>
-          </p:cNvPr>
+            <a:endParaRPr lang="en-US"/>
+          </a:p>
+        </p:txBody>
+      </p:sp>
+      <p:sp>
+        <p:nvSpPr>
+          <p:cNvPr id="8" name="Footer Placeholder 7"/>
           <p:cNvSpPr>
             <a:spLocks noGrp="1"/>
           </p:cNvSpPr>
@@ -1854,19 +1586,13 @@
           <a:bodyPr/>
           <a:lstStyle/>
           <a:p>
-            <a:endParaRPr lang="en-IN"/>
-          </a:p>
-        </p:txBody>
-      </p:sp>
-      <p:sp>
-        <p:nvSpPr>
-          <p:cNvPr id="9" name="Slide Number Placeholder 8">
-            <a:extLst>
-              <a:ext uri="{FF2B5EF4-FFF2-40B4-BE49-F238E27FC236}">
-                <a16:creationId xmlns:a16="http://schemas.microsoft.com/office/drawing/2014/main" id="{38FEEEE8-9357-0D81-2452-9D450B052FC7}"/>
-              </a:ext>
-            </a:extLst>
-          </p:cNvPr>
+            <a:endParaRPr lang="en-US"/>
+          </a:p>
+        </p:txBody>
+      </p:sp>
+      <p:sp>
+        <p:nvSpPr>
+          <p:cNvPr id="9" name="Slide Number Placeholder 8"/>
           <p:cNvSpPr>
             <a:spLocks noGrp="1"/>
           </p:cNvSpPr>
@@ -1879,20 +1605,15 @@
           <a:bodyPr/>
           <a:lstStyle/>
           <a:p>
-            <a:fld id="{3ED8E2B1-EA3A-4537-9915-1150352E4B28}" type="slidenum">
-              <a:rPr lang="en-IN" smtClean="0"/>
+            <a:fld id="{9B618960-8005-486C-9A75-10CB2AAC16F9}" type="slidenum">
+              <a:rPr lang="en-US" smtClean="0"/>
               <a:t>‹#›</a:t>
             </a:fld>
-            <a:endParaRPr lang="en-IN"/>
+            <a:endParaRPr lang="en-US"/>
           </a:p>
         </p:txBody>
       </p:sp>
     </p:spTree>
-    <p:extLst>
-      <p:ext uri="{BB962C8B-B14F-4D97-AF65-F5344CB8AC3E}">
-        <p14:creationId xmlns:p14="http://schemas.microsoft.com/office/powerpoint/2010/main" val="897503008"/>
-      </p:ext>
-    </p:extLst>
   </p:cSld>
   <p:clrMapOvr>
     <a:masterClrMapping/>
@@ -1919,13 +1640,7 @@
       </p:grpSpPr>
       <p:sp>
         <p:nvSpPr>
-          <p:cNvPr id="2" name="Title 1">
-            <a:extLst>
-              <a:ext uri="{FF2B5EF4-FFF2-40B4-BE49-F238E27FC236}">
-                <a16:creationId xmlns:a16="http://schemas.microsoft.com/office/drawing/2014/main" id="{380F4F7E-F033-999F-0E21-6B5FE5074216}"/>
-              </a:ext>
-            </a:extLst>
-          </p:cNvPr>
+          <p:cNvPr id="2" name="Title 1"/>
           <p:cNvSpPr>
             <a:spLocks noGrp="1"/>
           </p:cNvSpPr>
@@ -1942,19 +1657,12 @@
               <a:rPr lang="en-US"/>
               <a:t>Click to edit Master title style</a:t>
             </a:r>
-            <a:endParaRPr lang="en-IN"/>
-          </a:p>
-        </p:txBody>
-      </p:sp>
-      <p:sp>
-        <p:nvSpPr>
-          <p:cNvPr id="3" name="Date Placeholder 2">
-            <a:extLst>
-              <a:ext uri="{FF2B5EF4-FFF2-40B4-BE49-F238E27FC236}">
-                <a16:creationId xmlns:a16="http://schemas.microsoft.com/office/drawing/2014/main" id="{819F6937-4FFB-67E4-3780-2ED5D4EB0E4C}"/>
-              </a:ext>
-            </a:extLst>
-          </p:cNvPr>
+          </a:p>
+        </p:txBody>
+      </p:sp>
+      <p:sp>
+        <p:nvSpPr>
+          <p:cNvPr id="3" name="Date Placeholder 2"/>
           <p:cNvSpPr>
             <a:spLocks noGrp="1"/>
           </p:cNvSpPr>
@@ -1967,23 +1675,17 @@
           <a:bodyPr/>
           <a:lstStyle/>
           <a:p>
-            <a:fld id="{E5D5616A-B045-49CC-ABD4-AA9E546E504F}" type="datetimeFigureOut">
-              <a:rPr lang="en-IN" smtClean="0"/>
-              <a:t>11-05-2024</a:t>
+            <a:fld id="{63A1C593-65D0-4073-BCC9-577B9352EA97}" type="datetimeFigureOut">
+              <a:rPr lang="en-US" smtClean="0"/>
+              <a:t>5/12/2024</a:t>
             </a:fld>
-            <a:endParaRPr lang="en-IN"/>
-          </a:p>
-        </p:txBody>
-      </p:sp>
-      <p:sp>
-        <p:nvSpPr>
-          <p:cNvPr id="4" name="Footer Placeholder 3">
-            <a:extLst>
-              <a:ext uri="{FF2B5EF4-FFF2-40B4-BE49-F238E27FC236}">
-                <a16:creationId xmlns:a16="http://schemas.microsoft.com/office/drawing/2014/main" id="{6E4140B7-1073-5A31-E181-A794D8C8FD98}"/>
-              </a:ext>
-            </a:extLst>
-          </p:cNvPr>
+            <a:endParaRPr lang="en-US"/>
+          </a:p>
+        </p:txBody>
+      </p:sp>
+      <p:sp>
+        <p:nvSpPr>
+          <p:cNvPr id="4" name="Footer Placeholder 3"/>
           <p:cNvSpPr>
             <a:spLocks noGrp="1"/>
           </p:cNvSpPr>
@@ -1996,19 +1698,13 @@
           <a:bodyPr/>
           <a:lstStyle/>
           <a:p>
-            <a:endParaRPr lang="en-IN"/>
-          </a:p>
-        </p:txBody>
-      </p:sp>
-      <p:sp>
-        <p:nvSpPr>
-          <p:cNvPr id="5" name="Slide Number Placeholder 4">
-            <a:extLst>
-              <a:ext uri="{FF2B5EF4-FFF2-40B4-BE49-F238E27FC236}">
-                <a16:creationId xmlns:a16="http://schemas.microsoft.com/office/drawing/2014/main" id="{5939F36D-AB58-801F-FAE3-431C72E8CE0E}"/>
-              </a:ext>
-            </a:extLst>
-          </p:cNvPr>
+            <a:endParaRPr lang="en-US"/>
+          </a:p>
+        </p:txBody>
+      </p:sp>
+      <p:sp>
+        <p:nvSpPr>
+          <p:cNvPr id="5" name="Slide Number Placeholder 4"/>
           <p:cNvSpPr>
             <a:spLocks noGrp="1"/>
           </p:cNvSpPr>
@@ -2021,20 +1717,15 @@
           <a:bodyPr/>
           <a:lstStyle/>
           <a:p>
-            <a:fld id="{3ED8E2B1-EA3A-4537-9915-1150352E4B28}" type="slidenum">
-              <a:rPr lang="en-IN" smtClean="0"/>
+            <a:fld id="{9B618960-8005-486C-9A75-10CB2AAC16F9}" type="slidenum">
+              <a:rPr lang="en-US" smtClean="0"/>
               <a:t>‹#›</a:t>
             </a:fld>
-            <a:endParaRPr lang="en-IN"/>
+            <a:endParaRPr lang="en-US"/>
           </a:p>
         </p:txBody>
       </p:sp>
     </p:spTree>
-    <p:extLst>
-      <p:ext uri="{BB962C8B-B14F-4D97-AF65-F5344CB8AC3E}">
-        <p14:creationId xmlns:p14="http://schemas.microsoft.com/office/powerpoint/2010/main" val="3130978852"/>
-      </p:ext>
-    </p:extLst>
   </p:cSld>
   <p:clrMapOvr>
     <a:masterClrMapping/>
@@ -2061,13 +1752,7 @@
       </p:grpSpPr>
       <p:sp>
         <p:nvSpPr>
-          <p:cNvPr id="2" name="Date Placeholder 1">
-            <a:extLst>
-              <a:ext uri="{FF2B5EF4-FFF2-40B4-BE49-F238E27FC236}">
-                <a16:creationId xmlns:a16="http://schemas.microsoft.com/office/drawing/2014/main" id="{4B03C418-67FD-9BFA-1398-EA2B418BD784}"/>
-              </a:ext>
-            </a:extLst>
-          </p:cNvPr>
+          <p:cNvPr id="2" name="Date Placeholder 1"/>
           <p:cNvSpPr>
             <a:spLocks noGrp="1"/>
           </p:cNvSpPr>
@@ -2080,23 +1765,17 @@
           <a:bodyPr/>
           <a:lstStyle/>
           <a:p>
-            <a:fld id="{E5D5616A-B045-49CC-ABD4-AA9E546E504F}" type="datetimeFigureOut">
-              <a:rPr lang="en-IN" smtClean="0"/>
-              <a:t>11-05-2024</a:t>
+            <a:fld id="{63A1C593-65D0-4073-BCC9-577B9352EA97}" type="datetimeFigureOut">
+              <a:rPr lang="en-US" smtClean="0"/>
+              <a:t>5/12/2024</a:t>
             </a:fld>
-            <a:endParaRPr lang="en-IN"/>
-          </a:p>
-        </p:txBody>
-      </p:sp>
-      <p:sp>
-        <p:nvSpPr>
-          <p:cNvPr id="3" name="Footer Placeholder 2">
-            <a:extLst>
-              <a:ext uri="{FF2B5EF4-FFF2-40B4-BE49-F238E27FC236}">
-                <a16:creationId xmlns:a16="http://schemas.microsoft.com/office/drawing/2014/main" id="{A9B6255A-EBFF-A4EB-E637-35F483762BF5}"/>
-              </a:ext>
-            </a:extLst>
-          </p:cNvPr>
+            <a:endParaRPr lang="en-US"/>
+          </a:p>
+        </p:txBody>
+      </p:sp>
+      <p:sp>
+        <p:nvSpPr>
+          <p:cNvPr id="3" name="Footer Placeholder 2"/>
           <p:cNvSpPr>
             <a:spLocks noGrp="1"/>
           </p:cNvSpPr>
@@ -2109,19 +1788,13 @@
           <a:bodyPr/>
           <a:lstStyle/>
           <a:p>
-            <a:endParaRPr lang="en-IN"/>
-          </a:p>
-        </p:txBody>
-      </p:sp>
-      <p:sp>
-        <p:nvSpPr>
-          <p:cNvPr id="4" name="Slide Number Placeholder 3">
-            <a:extLst>
-              <a:ext uri="{FF2B5EF4-FFF2-40B4-BE49-F238E27FC236}">
-                <a16:creationId xmlns:a16="http://schemas.microsoft.com/office/drawing/2014/main" id="{26F8F605-FDA9-908F-5CD2-8EAAAA92C514}"/>
-              </a:ext>
-            </a:extLst>
-          </p:cNvPr>
+            <a:endParaRPr lang="en-US"/>
+          </a:p>
+        </p:txBody>
+      </p:sp>
+      <p:sp>
+        <p:nvSpPr>
+          <p:cNvPr id="4" name="Slide Number Placeholder 3"/>
           <p:cNvSpPr>
             <a:spLocks noGrp="1"/>
           </p:cNvSpPr>
@@ -2134,20 +1807,15 @@
           <a:bodyPr/>
           <a:lstStyle/>
           <a:p>
-            <a:fld id="{3ED8E2B1-EA3A-4537-9915-1150352E4B28}" type="slidenum">
-              <a:rPr lang="en-IN" smtClean="0"/>
+            <a:fld id="{9B618960-8005-486C-9A75-10CB2AAC16F9}" type="slidenum">
+              <a:rPr lang="en-US" smtClean="0"/>
               <a:t>‹#›</a:t>
             </a:fld>
-            <a:endParaRPr lang="en-IN"/>
+            <a:endParaRPr lang="en-US"/>
           </a:p>
         </p:txBody>
       </p:sp>
     </p:spTree>
-    <p:extLst>
-      <p:ext uri="{BB962C8B-B14F-4D97-AF65-F5344CB8AC3E}">
-        <p14:creationId xmlns:p14="http://schemas.microsoft.com/office/powerpoint/2010/main" val="2146683547"/>
-      </p:ext>
-    </p:extLst>
   </p:cSld>
   <p:clrMapOvr>
     <a:masterClrMapping/>
@@ -2174,13 +1842,7 @@
       </p:grpSpPr>
       <p:sp>
         <p:nvSpPr>
-          <p:cNvPr id="2" name="Title 1">
-            <a:extLst>
-              <a:ext uri="{FF2B5EF4-FFF2-40B4-BE49-F238E27FC236}">
-                <a16:creationId xmlns:a16="http://schemas.microsoft.com/office/drawing/2014/main" id="{46F39432-DD09-E169-94F7-5DC65947A95F}"/>
-              </a:ext>
-            </a:extLst>
-          </p:cNvPr>
+          <p:cNvPr id="2" name="Title 1"/>
           <p:cNvSpPr>
             <a:spLocks noGrp="1"/>
           </p:cNvSpPr>
@@ -2206,19 +1868,12 @@
               <a:rPr lang="en-US"/>
               <a:t>Click to edit Master title style</a:t>
             </a:r>
-            <a:endParaRPr lang="en-IN"/>
-          </a:p>
-        </p:txBody>
-      </p:sp>
-      <p:sp>
-        <p:nvSpPr>
-          <p:cNvPr id="3" name="Content Placeholder 2">
-            <a:extLst>
-              <a:ext uri="{FF2B5EF4-FFF2-40B4-BE49-F238E27FC236}">
-                <a16:creationId xmlns:a16="http://schemas.microsoft.com/office/drawing/2014/main" id="{A69A2894-C7E4-65DE-B1C7-5C5672B73B8C}"/>
-              </a:ext>
-            </a:extLst>
-          </p:cNvPr>
+          </a:p>
+        </p:txBody>
+      </p:sp>
+      <p:sp>
+        <p:nvSpPr>
+          <p:cNvPr id="3" name="Content Placeholder 2"/>
           <p:cNvSpPr>
             <a:spLocks noGrp="1"/>
           </p:cNvSpPr>
@@ -2297,19 +1952,12 @@
               <a:rPr lang="en-US"/>
               <a:t>Fifth level</a:t>
             </a:r>
-            <a:endParaRPr lang="en-IN"/>
-          </a:p>
-        </p:txBody>
-      </p:sp>
-      <p:sp>
-        <p:nvSpPr>
-          <p:cNvPr id="4" name="Text Placeholder 3">
-            <a:extLst>
-              <a:ext uri="{FF2B5EF4-FFF2-40B4-BE49-F238E27FC236}">
-                <a16:creationId xmlns:a16="http://schemas.microsoft.com/office/drawing/2014/main" id="{6C8B2DB5-EB30-F731-F896-DAC3F71E7EC7}"/>
-              </a:ext>
-            </a:extLst>
-          </p:cNvPr>
+          </a:p>
+        </p:txBody>
+      </p:sp>
+      <p:sp>
+        <p:nvSpPr>
+          <p:cNvPr id="4" name="Text Placeholder 3"/>
           <p:cNvSpPr>
             <a:spLocks noGrp="1"/>
           </p:cNvSpPr>
@@ -2374,13 +2022,7 @@
       </p:sp>
       <p:sp>
         <p:nvSpPr>
-          <p:cNvPr id="5" name="Date Placeholder 4">
-            <a:extLst>
-              <a:ext uri="{FF2B5EF4-FFF2-40B4-BE49-F238E27FC236}">
-                <a16:creationId xmlns:a16="http://schemas.microsoft.com/office/drawing/2014/main" id="{31EE0AD2-00D2-A2F1-A1A1-44B8CC9F44E3}"/>
-              </a:ext>
-            </a:extLst>
-          </p:cNvPr>
+          <p:cNvPr id="5" name="Date Placeholder 4"/>
           <p:cNvSpPr>
             <a:spLocks noGrp="1"/>
           </p:cNvSpPr>
@@ -2393,23 +2035,17 @@
           <a:bodyPr/>
           <a:lstStyle/>
           <a:p>
-            <a:fld id="{E5D5616A-B045-49CC-ABD4-AA9E546E504F}" type="datetimeFigureOut">
-              <a:rPr lang="en-IN" smtClean="0"/>
-              <a:t>11-05-2024</a:t>
+            <a:fld id="{63A1C593-65D0-4073-BCC9-577B9352EA97}" type="datetimeFigureOut">
+              <a:rPr lang="en-US" smtClean="0"/>
+              <a:t>5/12/2024</a:t>
             </a:fld>
-            <a:endParaRPr lang="en-IN"/>
-          </a:p>
-        </p:txBody>
-      </p:sp>
-      <p:sp>
-        <p:nvSpPr>
-          <p:cNvPr id="6" name="Footer Placeholder 5">
-            <a:extLst>
-              <a:ext uri="{FF2B5EF4-FFF2-40B4-BE49-F238E27FC236}">
-                <a16:creationId xmlns:a16="http://schemas.microsoft.com/office/drawing/2014/main" id="{CA7A7A9C-AD32-C4CC-9F91-D20DCB66C964}"/>
-              </a:ext>
-            </a:extLst>
-          </p:cNvPr>
+            <a:endParaRPr lang="en-US"/>
+          </a:p>
+        </p:txBody>
+      </p:sp>
+      <p:sp>
+        <p:nvSpPr>
+          <p:cNvPr id="6" name="Footer Placeholder 5"/>
           <p:cNvSpPr>
             <a:spLocks noGrp="1"/>
           </p:cNvSpPr>
@@ -2422,19 +2058,13 @@
           <a:bodyPr/>
           <a:lstStyle/>
           <a:p>
-            <a:endParaRPr lang="en-IN"/>
-          </a:p>
-        </p:txBody>
-      </p:sp>
-      <p:sp>
-        <p:nvSpPr>
-          <p:cNvPr id="7" name="Slide Number Placeholder 6">
-            <a:extLst>
-              <a:ext uri="{FF2B5EF4-FFF2-40B4-BE49-F238E27FC236}">
-                <a16:creationId xmlns:a16="http://schemas.microsoft.com/office/drawing/2014/main" id="{A1100C57-91D9-C102-A1C3-893617C0209F}"/>
-              </a:ext>
-            </a:extLst>
-          </p:cNvPr>
+            <a:endParaRPr lang="en-US"/>
+          </a:p>
+        </p:txBody>
+      </p:sp>
+      <p:sp>
+        <p:nvSpPr>
+          <p:cNvPr id="7" name="Slide Number Placeholder 6"/>
           <p:cNvSpPr>
             <a:spLocks noGrp="1"/>
           </p:cNvSpPr>
@@ -2447,20 +2077,15 @@
           <a:bodyPr/>
           <a:lstStyle/>
           <a:p>
-            <a:fld id="{3ED8E2B1-EA3A-4537-9915-1150352E4B28}" type="slidenum">
-              <a:rPr lang="en-IN" smtClean="0"/>
+            <a:fld id="{9B618960-8005-486C-9A75-10CB2AAC16F9}" type="slidenum">
+              <a:rPr lang="en-US" smtClean="0"/>
               <a:t>‹#›</a:t>
             </a:fld>
-            <a:endParaRPr lang="en-IN"/>
+            <a:endParaRPr lang="en-US"/>
           </a:p>
         </p:txBody>
       </p:sp>
     </p:spTree>
-    <p:extLst>
-      <p:ext uri="{BB962C8B-B14F-4D97-AF65-F5344CB8AC3E}">
-        <p14:creationId xmlns:p14="http://schemas.microsoft.com/office/powerpoint/2010/main" val="542909141"/>
-      </p:ext>
-    </p:extLst>
   </p:cSld>
   <p:clrMapOvr>
     <a:masterClrMapping/>
@@ -2487,13 +2112,7 @@
       </p:grpSpPr>
       <p:sp>
         <p:nvSpPr>
-          <p:cNvPr id="2" name="Title 1">
-            <a:extLst>
-              <a:ext uri="{FF2B5EF4-FFF2-40B4-BE49-F238E27FC236}">
-                <a16:creationId xmlns:a16="http://schemas.microsoft.com/office/drawing/2014/main" id="{D30BC3A2-E363-5EF1-74C8-77F7E645132E}"/>
-              </a:ext>
-            </a:extLst>
-          </p:cNvPr>
+          <p:cNvPr id="2" name="Title 1"/>
           <p:cNvSpPr>
             <a:spLocks noGrp="1"/>
           </p:cNvSpPr>
@@ -2519,19 +2138,12 @@
               <a:rPr lang="en-US"/>
               <a:t>Click to edit Master title style</a:t>
             </a:r>
-            <a:endParaRPr lang="en-IN"/>
-          </a:p>
-        </p:txBody>
-      </p:sp>
-      <p:sp>
-        <p:nvSpPr>
-          <p:cNvPr id="3" name="Picture Placeholder 2">
-            <a:extLst>
-              <a:ext uri="{FF2B5EF4-FFF2-40B4-BE49-F238E27FC236}">
-                <a16:creationId xmlns:a16="http://schemas.microsoft.com/office/drawing/2014/main" id="{5B5ADAC6-4EC5-2B85-82DB-710EBAD9CCA5}"/>
-              </a:ext>
-            </a:extLst>
-          </p:cNvPr>
+          </a:p>
+        </p:txBody>
+      </p:sp>
+      <p:sp>
+        <p:nvSpPr>
+          <p:cNvPr id="3" name="Picture Placeholder 2"/>
           <p:cNvSpPr>
             <a:spLocks noGrp="1"/>
           </p:cNvSpPr>
@@ -2586,19 +2198,13 @@
             </a:lvl9pPr>
           </a:lstStyle>
           <a:p>
-            <a:endParaRPr lang="en-IN"/>
-          </a:p>
-        </p:txBody>
-      </p:sp>
-      <p:sp>
-        <p:nvSpPr>
-          <p:cNvPr id="4" name="Text Placeholder 3">
-            <a:extLst>
-              <a:ext uri="{FF2B5EF4-FFF2-40B4-BE49-F238E27FC236}">
-                <a16:creationId xmlns:a16="http://schemas.microsoft.com/office/drawing/2014/main" id="{E480804B-4B95-9A53-48CD-D12D6867C4DD}"/>
-              </a:ext>
-            </a:extLst>
-          </p:cNvPr>
+            <a:endParaRPr lang="en-US"/>
+          </a:p>
+        </p:txBody>
+      </p:sp>
+      <p:sp>
+        <p:nvSpPr>
+          <p:cNvPr id="4" name="Text Placeholder 3"/>
           <p:cNvSpPr>
             <a:spLocks noGrp="1"/>
           </p:cNvSpPr>
@@ -2663,13 +2269,7 @@
       </p:sp>
       <p:sp>
         <p:nvSpPr>
-          <p:cNvPr id="5" name="Date Placeholder 4">
-            <a:extLst>
-              <a:ext uri="{FF2B5EF4-FFF2-40B4-BE49-F238E27FC236}">
-                <a16:creationId xmlns:a16="http://schemas.microsoft.com/office/drawing/2014/main" id="{F7A80EBB-202A-9545-2574-B41C86302DBE}"/>
-              </a:ext>
-            </a:extLst>
-          </p:cNvPr>
+          <p:cNvPr id="5" name="Date Placeholder 4"/>
           <p:cNvSpPr>
             <a:spLocks noGrp="1"/>
           </p:cNvSpPr>
@@ -2682,23 +2282,17 @@
           <a:bodyPr/>
           <a:lstStyle/>
           <a:p>
-            <a:fld id="{E5D5616A-B045-49CC-ABD4-AA9E546E504F}" type="datetimeFigureOut">
-              <a:rPr lang="en-IN" smtClean="0"/>
-              <a:t>11-05-2024</a:t>
+            <a:fld id="{63A1C593-65D0-4073-BCC9-577B9352EA97}" type="datetimeFigureOut">
+              <a:rPr lang="en-US" smtClean="0"/>
+              <a:t>5/12/2024</a:t>
             </a:fld>
-            <a:endParaRPr lang="en-IN"/>
-          </a:p>
-        </p:txBody>
-      </p:sp>
-      <p:sp>
-        <p:nvSpPr>
-          <p:cNvPr id="6" name="Footer Placeholder 5">
-            <a:extLst>
-              <a:ext uri="{FF2B5EF4-FFF2-40B4-BE49-F238E27FC236}">
-                <a16:creationId xmlns:a16="http://schemas.microsoft.com/office/drawing/2014/main" id="{DC6FFB3F-553A-7898-7F6D-7D2C8CF23BA2}"/>
-              </a:ext>
-            </a:extLst>
-          </p:cNvPr>
+            <a:endParaRPr lang="en-US"/>
+          </a:p>
+        </p:txBody>
+      </p:sp>
+      <p:sp>
+        <p:nvSpPr>
+          <p:cNvPr id="6" name="Footer Placeholder 5"/>
           <p:cNvSpPr>
             <a:spLocks noGrp="1"/>
           </p:cNvSpPr>
@@ -2711,19 +2305,13 @@
           <a:bodyPr/>
           <a:lstStyle/>
           <a:p>
-            <a:endParaRPr lang="en-IN"/>
-          </a:p>
-        </p:txBody>
-      </p:sp>
-      <p:sp>
-        <p:nvSpPr>
-          <p:cNvPr id="7" name="Slide Number Placeholder 6">
-            <a:extLst>
-              <a:ext uri="{FF2B5EF4-FFF2-40B4-BE49-F238E27FC236}">
-                <a16:creationId xmlns:a16="http://schemas.microsoft.com/office/drawing/2014/main" id="{C3A8C190-97A4-CC4A-1E8C-A350B3E17A6D}"/>
-              </a:ext>
-            </a:extLst>
-          </p:cNvPr>
+            <a:endParaRPr lang="en-US"/>
+          </a:p>
+        </p:txBody>
+      </p:sp>
+      <p:sp>
+        <p:nvSpPr>
+          <p:cNvPr id="7" name="Slide Number Placeholder 6"/>
           <p:cNvSpPr>
             <a:spLocks noGrp="1"/>
           </p:cNvSpPr>
@@ -2736,20 +2324,15 @@
           <a:bodyPr/>
           <a:lstStyle/>
           <a:p>
-            <a:fld id="{3ED8E2B1-EA3A-4537-9915-1150352E4B28}" type="slidenum">
-              <a:rPr lang="en-IN" smtClean="0"/>
+            <a:fld id="{9B618960-8005-486C-9A75-10CB2AAC16F9}" type="slidenum">
+              <a:rPr lang="en-US" smtClean="0"/>
               <a:t>‹#›</a:t>
             </a:fld>
-            <a:endParaRPr lang="en-IN"/>
+            <a:endParaRPr lang="en-US"/>
           </a:p>
         </p:txBody>
       </p:sp>
     </p:spTree>
-    <p:extLst>
-      <p:ext uri="{BB962C8B-B14F-4D97-AF65-F5344CB8AC3E}">
-        <p14:creationId xmlns:p14="http://schemas.microsoft.com/office/powerpoint/2010/main" val="4233010004"/>
-      </p:ext>
-    </p:extLst>
   </p:cSld>
   <p:clrMapOvr>
     <a:masterClrMapping/>
@@ -2781,13 +2364,7 @@
       </p:grpSpPr>
       <p:sp>
         <p:nvSpPr>
-          <p:cNvPr id="2" name="Title Placeholder 1">
-            <a:extLst>
-              <a:ext uri="{FF2B5EF4-FFF2-40B4-BE49-F238E27FC236}">
-                <a16:creationId xmlns:a16="http://schemas.microsoft.com/office/drawing/2014/main" id="{1CBEFA6C-AA86-C645-108C-0BFDBD863E87}"/>
-              </a:ext>
-            </a:extLst>
-          </p:cNvPr>
+          <p:cNvPr id="2" name="Title Placeholder 1"/>
           <p:cNvSpPr>
             <a:spLocks noGrp="1"/>
           </p:cNvSpPr>
@@ -2814,19 +2391,12 @@
               <a:rPr lang="en-US"/>
               <a:t>Click to edit Master title style</a:t>
             </a:r>
-            <a:endParaRPr lang="en-IN"/>
-          </a:p>
-        </p:txBody>
-      </p:sp>
-      <p:sp>
-        <p:nvSpPr>
-          <p:cNvPr id="3" name="Text Placeholder 2">
-            <a:extLst>
-              <a:ext uri="{FF2B5EF4-FFF2-40B4-BE49-F238E27FC236}">
-                <a16:creationId xmlns:a16="http://schemas.microsoft.com/office/drawing/2014/main" id="{FDFB5EF7-9ABD-F79D-7EFD-02BA3219F59B}"/>
-              </a:ext>
-            </a:extLst>
-          </p:cNvPr>
+          </a:p>
+        </p:txBody>
+      </p:sp>
+      <p:sp>
+        <p:nvSpPr>
+          <p:cNvPr id="3" name="Text Placeholder 2"/>
           <p:cNvSpPr>
             <a:spLocks noGrp="1"/>
           </p:cNvSpPr>
@@ -2882,19 +2452,12 @@
               <a:rPr lang="en-US"/>
               <a:t>Fifth level</a:t>
             </a:r>
-            <a:endParaRPr lang="en-IN"/>
-          </a:p>
-        </p:txBody>
-      </p:sp>
-      <p:sp>
-        <p:nvSpPr>
-          <p:cNvPr id="4" name="Date Placeholder 3">
-            <a:extLst>
-              <a:ext uri="{FF2B5EF4-FFF2-40B4-BE49-F238E27FC236}">
-                <a16:creationId xmlns:a16="http://schemas.microsoft.com/office/drawing/2014/main" id="{12DACE18-7C7A-ECCB-305C-98AF69512615}"/>
-              </a:ext>
-            </a:extLst>
-          </p:cNvPr>
+          </a:p>
+        </p:txBody>
+      </p:sp>
+      <p:sp>
+        <p:nvSpPr>
+          <p:cNvPr id="4" name="Date Placeholder 3"/>
           <p:cNvSpPr>
             <a:spLocks noGrp="1"/>
           </p:cNvSpPr>
@@ -2925,23 +2488,17 @@
             </a:lvl1pPr>
           </a:lstStyle>
           <a:p>
-            <a:fld id="{E5D5616A-B045-49CC-ABD4-AA9E546E504F}" type="datetimeFigureOut">
-              <a:rPr lang="en-IN" smtClean="0"/>
-              <a:t>11-05-2024</a:t>
+            <a:fld id="{63A1C593-65D0-4073-BCC9-577B9352EA97}" type="datetimeFigureOut">
+              <a:rPr lang="en-US" smtClean="0"/>
+              <a:t>5/12/2024</a:t>
             </a:fld>
-            <a:endParaRPr lang="en-IN"/>
-          </a:p>
-        </p:txBody>
-      </p:sp>
-      <p:sp>
-        <p:nvSpPr>
-          <p:cNvPr id="5" name="Footer Placeholder 4">
-            <a:extLst>
-              <a:ext uri="{FF2B5EF4-FFF2-40B4-BE49-F238E27FC236}">
-                <a16:creationId xmlns:a16="http://schemas.microsoft.com/office/drawing/2014/main" id="{928FB3D5-4BB1-6339-A12C-F840273B344E}"/>
-              </a:ext>
-            </a:extLst>
-          </p:cNvPr>
+            <a:endParaRPr lang="en-US"/>
+          </a:p>
+        </p:txBody>
+      </p:sp>
+      <p:sp>
+        <p:nvSpPr>
+          <p:cNvPr id="5" name="Footer Placeholder 4"/>
           <p:cNvSpPr>
             <a:spLocks noGrp="1"/>
           </p:cNvSpPr>
@@ -2972,19 +2529,13 @@
             </a:lvl1pPr>
           </a:lstStyle>
           <a:p>
-            <a:endParaRPr lang="en-IN"/>
-          </a:p>
-        </p:txBody>
-      </p:sp>
-      <p:sp>
-        <p:nvSpPr>
-          <p:cNvPr id="6" name="Slide Number Placeholder 5">
-            <a:extLst>
-              <a:ext uri="{FF2B5EF4-FFF2-40B4-BE49-F238E27FC236}">
-                <a16:creationId xmlns:a16="http://schemas.microsoft.com/office/drawing/2014/main" id="{0D22548A-B214-CE0D-4AD5-4FB67EEFE0C0}"/>
-              </a:ext>
-            </a:extLst>
-          </p:cNvPr>
+            <a:endParaRPr lang="en-US"/>
+          </a:p>
+        </p:txBody>
+      </p:sp>
+      <p:sp>
+        <p:nvSpPr>
+          <p:cNvPr id="6" name="Slide Number Placeholder 5"/>
           <p:cNvSpPr>
             <a:spLocks noGrp="1"/>
           </p:cNvSpPr>
@@ -3015,20 +2566,15 @@
             </a:lvl1pPr>
           </a:lstStyle>
           <a:p>
-            <a:fld id="{3ED8E2B1-EA3A-4537-9915-1150352E4B28}" type="slidenum">
-              <a:rPr lang="en-IN" smtClean="0"/>
+            <a:fld id="{9B618960-8005-486C-9A75-10CB2AAC16F9}" type="slidenum">
+              <a:rPr lang="en-US" smtClean="0"/>
               <a:t>‹#›</a:t>
             </a:fld>
-            <a:endParaRPr lang="en-IN"/>
+            <a:endParaRPr lang="en-US"/>
           </a:p>
         </p:txBody>
       </p:sp>
     </p:spTree>
-    <p:extLst>
-      <p:ext uri="{BB962C8B-B14F-4D97-AF65-F5344CB8AC3E}">
-        <p14:creationId xmlns:p14="http://schemas.microsoft.com/office/powerpoint/2010/main" val="837878306"/>
-      </p:ext>
-    </p:extLst>
   </p:cSld>
   <p:clrMap bg1="lt1" tx1="dk1" bg2="lt2" tx2="dk2" accent1="accent1" accent2="accent2" accent3="accent3" accent4="accent4" accent5="accent5" accent6="accent6" hlink="hlink" folHlink="folHlink"/>
   <p:sldLayoutIdLst>
@@ -3330,6 +2876,20 @@
 <file path=ppt/slides/slide1.xml><?xml version="1.0" encoding="utf-8"?>
 <p:sld xmlns:a="http://schemas.openxmlformats.org/drawingml/2006/main" xmlns:r="http://schemas.openxmlformats.org/officeDocument/2006/relationships" xmlns:p="http://schemas.openxmlformats.org/presentationml/2006/main">
   <p:cSld>
+    <p:bg>
+      <p:bgPr>
+        <a:blipFill dpi="0" rotWithShape="1">
+          <a:blip r:embed="rId2">
+            <a:lum/>
+          </a:blip>
+          <a:srcRect/>
+          <a:stretch>
+            <a:fillRect t="-1000" b="-1000"/>
+          </a:stretch>
+        </a:blipFill>
+        <a:effectLst/>
+      </p:bgPr>
+    </p:bg>
     <p:spTree>
       <p:nvGrpSpPr>
         <p:cNvPr id="1" name=""/>
@@ -3346,13 +2906,7 @@
       </p:grpSpPr>
       <p:sp>
         <p:nvSpPr>
-          <p:cNvPr id="4" name="Title 3">
-            <a:extLst>
-              <a:ext uri="{FF2B5EF4-FFF2-40B4-BE49-F238E27FC236}">
-                <a16:creationId xmlns:a16="http://schemas.microsoft.com/office/drawing/2014/main" id="{C9132980-F818-30D7-198F-3B0C9BE5A21D}"/>
-              </a:ext>
-            </a:extLst>
-          </p:cNvPr>
+          <p:cNvPr id="4" name="Title 3"/>
           <p:cNvSpPr>
             <a:spLocks noGrp="1"/>
           </p:cNvSpPr>
@@ -3360,24 +2914,23 @@
             <p:ph type="title"/>
           </p:nvPr>
         </p:nvSpPr>
-        <p:spPr/>
-        <p:txBody>
-          <a:bodyPr/>
-          <a:lstStyle/>
-          <a:p>
-            <a:endParaRPr lang="en-IN"/>
-          </a:p>
-        </p:txBody>
-      </p:sp>
-      <p:sp>
-        <p:nvSpPr>
-          <p:cNvPr id="5" name="Content Placeholder 4">
-            <a:extLst>
-              <a:ext uri="{FF2B5EF4-FFF2-40B4-BE49-F238E27FC236}">
-                <a16:creationId xmlns:a16="http://schemas.microsoft.com/office/drawing/2014/main" id="{D11DD4E2-FC3E-9C6A-F354-7EF7BAEA709B}"/>
-              </a:ext>
-            </a:extLst>
-          </p:cNvPr>
+        <p:spPr>
+          <a:xfrm>
+            <a:off x="838200" y="83977"/>
+            <a:ext cx="10515600" cy="1606712"/>
+          </a:xfrm>
+        </p:spPr>
+        <p:txBody>
+          <a:bodyPr/>
+          <a:lstStyle/>
+          <a:p>
+            <a:endParaRPr lang="en-US" dirty="0"/>
+          </a:p>
+        </p:txBody>
+      </p:sp>
+      <p:sp>
+        <p:nvSpPr>
+          <p:cNvPr id="5" name="Content Placeholder 4"/>
           <p:cNvSpPr>
             <a:spLocks noGrp="1"/>
           </p:cNvSpPr>
@@ -3385,21 +2938,21 @@
             <p:ph idx="1"/>
           </p:nvPr>
         </p:nvSpPr>
-        <p:spPr/>
-        <p:txBody>
-          <a:bodyPr/>
-          <a:lstStyle/>
-          <a:p>
-            <a:endParaRPr lang="en-IN"/>
+        <p:spPr>
+          <a:xfrm>
+            <a:off x="838200" y="1296955"/>
+            <a:ext cx="10515600" cy="4880008"/>
+          </a:xfrm>
+        </p:spPr>
+        <p:txBody>
+          <a:bodyPr/>
+          <a:lstStyle/>
+          <a:p>
+            <a:endParaRPr lang="en-US" dirty="0"/>
           </a:p>
         </p:txBody>
       </p:sp>
     </p:spTree>
-    <p:extLst>
-      <p:ext uri="{BB962C8B-B14F-4D97-AF65-F5344CB8AC3E}">
-        <p14:creationId xmlns:p14="http://schemas.microsoft.com/office/powerpoint/2010/main" val="3633467256"/>
-      </p:ext>
-    </p:extLst>
   </p:cSld>
   <p:clrMapOvr>
     <a:masterClrMapping/>
@@ -3410,6 +2963,20 @@
 <file path=ppt/slides/slide2.xml><?xml version="1.0" encoding="utf-8"?>
 <p:sld xmlns:a="http://schemas.openxmlformats.org/drawingml/2006/main" xmlns:r="http://schemas.openxmlformats.org/officeDocument/2006/relationships" xmlns:p="http://schemas.openxmlformats.org/presentationml/2006/main">
   <p:cSld>
+    <p:bg>
+      <p:bgPr>
+        <a:blipFill dpi="0" rotWithShape="1">
+          <a:blip r:embed="rId2">
+            <a:lum/>
+          </a:blip>
+          <a:srcRect/>
+          <a:stretch>
+            <a:fillRect t="-1000" b="-1000"/>
+          </a:stretch>
+        </a:blipFill>
+        <a:effectLst/>
+      </p:bgPr>
+    </p:bg>
     <p:spTree>
       <p:nvGrpSpPr>
         <p:cNvPr id="1" name=""/>
@@ -3426,13 +2993,7 @@
       </p:grpSpPr>
       <p:sp>
         <p:nvSpPr>
-          <p:cNvPr id="4" name="Title 3">
-            <a:extLst>
-              <a:ext uri="{FF2B5EF4-FFF2-40B4-BE49-F238E27FC236}">
-                <a16:creationId xmlns:a16="http://schemas.microsoft.com/office/drawing/2014/main" id="{C9132980-F818-30D7-198F-3B0C9BE5A21D}"/>
-              </a:ext>
-            </a:extLst>
-          </p:cNvPr>
+          <p:cNvPr id="4" name="Title 3"/>
           <p:cNvSpPr>
             <a:spLocks noGrp="1"/>
           </p:cNvSpPr>
@@ -3440,24 +3001,23 @@
             <p:ph type="title"/>
           </p:nvPr>
         </p:nvSpPr>
-        <p:spPr/>
-        <p:txBody>
-          <a:bodyPr/>
-          <a:lstStyle/>
-          <a:p>
-            <a:endParaRPr lang="en-IN"/>
-          </a:p>
-        </p:txBody>
-      </p:sp>
-      <p:sp>
-        <p:nvSpPr>
-          <p:cNvPr id="5" name="Content Placeholder 4">
-            <a:extLst>
-              <a:ext uri="{FF2B5EF4-FFF2-40B4-BE49-F238E27FC236}">
-                <a16:creationId xmlns:a16="http://schemas.microsoft.com/office/drawing/2014/main" id="{D11DD4E2-FC3E-9C6A-F354-7EF7BAEA709B}"/>
-              </a:ext>
-            </a:extLst>
-          </p:cNvPr>
+        <p:spPr>
+          <a:xfrm>
+            <a:off x="838200" y="83977"/>
+            <a:ext cx="10515600" cy="1606712"/>
+          </a:xfrm>
+        </p:spPr>
+        <p:txBody>
+          <a:bodyPr/>
+          <a:lstStyle/>
+          <a:p>
+            <a:endParaRPr lang="en-US" dirty="0"/>
+          </a:p>
+        </p:txBody>
+      </p:sp>
+      <p:sp>
+        <p:nvSpPr>
+          <p:cNvPr id="5" name="Content Placeholder 4"/>
           <p:cNvSpPr>
             <a:spLocks noGrp="1"/>
           </p:cNvSpPr>
@@ -3465,19 +3025,24 @@
             <p:ph idx="1"/>
           </p:nvPr>
         </p:nvSpPr>
-        <p:spPr/>
-        <p:txBody>
-          <a:bodyPr/>
-          <a:lstStyle/>
-          <a:p>
-            <a:endParaRPr lang="en-IN"/>
+        <p:spPr>
+          <a:xfrm>
+            <a:off x="838200" y="1296955"/>
+            <a:ext cx="10515600" cy="4880008"/>
+          </a:xfrm>
+        </p:spPr>
+        <p:txBody>
+          <a:bodyPr/>
+          <a:lstStyle/>
+          <a:p>
+            <a:endParaRPr lang="en-US" dirty="0"/>
           </a:p>
         </p:txBody>
       </p:sp>
     </p:spTree>
     <p:extLst>
       <p:ext uri="{BB962C8B-B14F-4D97-AF65-F5344CB8AC3E}">
-        <p14:creationId xmlns:p14="http://schemas.microsoft.com/office/powerpoint/2010/main" val="693464388"/>
+        <p14:creationId xmlns:p14="http://schemas.microsoft.com/office/powerpoint/2010/main" val="1117979534"/>
       </p:ext>
     </p:extLst>
   </p:cSld>
@@ -3490,6 +3055,20 @@
 <file path=ppt/slides/slide3.xml><?xml version="1.0" encoding="utf-8"?>
 <p:sld xmlns:a="http://schemas.openxmlformats.org/drawingml/2006/main" xmlns:r="http://schemas.openxmlformats.org/officeDocument/2006/relationships" xmlns:p="http://schemas.openxmlformats.org/presentationml/2006/main">
   <p:cSld>
+    <p:bg>
+      <p:bgPr>
+        <a:blipFill dpi="0" rotWithShape="1">
+          <a:blip r:embed="rId2">
+            <a:lum/>
+          </a:blip>
+          <a:srcRect/>
+          <a:stretch>
+            <a:fillRect t="-1000" b="-1000"/>
+          </a:stretch>
+        </a:blipFill>
+        <a:effectLst/>
+      </p:bgPr>
+    </p:bg>
     <p:spTree>
       <p:nvGrpSpPr>
         <p:cNvPr id="1" name=""/>
@@ -3506,13 +3085,7 @@
       </p:grpSpPr>
       <p:sp>
         <p:nvSpPr>
-          <p:cNvPr id="4" name="Title 3">
-            <a:extLst>
-              <a:ext uri="{FF2B5EF4-FFF2-40B4-BE49-F238E27FC236}">
-                <a16:creationId xmlns:a16="http://schemas.microsoft.com/office/drawing/2014/main" id="{C9132980-F818-30D7-198F-3B0C9BE5A21D}"/>
-              </a:ext>
-            </a:extLst>
-          </p:cNvPr>
+          <p:cNvPr id="4" name="Title 3"/>
           <p:cNvSpPr>
             <a:spLocks noGrp="1"/>
           </p:cNvSpPr>
@@ -3520,24 +3093,23 @@
             <p:ph type="title"/>
           </p:nvPr>
         </p:nvSpPr>
-        <p:spPr/>
-        <p:txBody>
-          <a:bodyPr/>
-          <a:lstStyle/>
-          <a:p>
-            <a:endParaRPr lang="en-IN"/>
-          </a:p>
-        </p:txBody>
-      </p:sp>
-      <p:sp>
-        <p:nvSpPr>
-          <p:cNvPr id="5" name="Content Placeholder 4">
-            <a:extLst>
-              <a:ext uri="{FF2B5EF4-FFF2-40B4-BE49-F238E27FC236}">
-                <a16:creationId xmlns:a16="http://schemas.microsoft.com/office/drawing/2014/main" id="{D11DD4E2-FC3E-9C6A-F354-7EF7BAEA709B}"/>
-              </a:ext>
-            </a:extLst>
-          </p:cNvPr>
+        <p:spPr>
+          <a:xfrm>
+            <a:off x="838200" y="83977"/>
+            <a:ext cx="10515600" cy="1606712"/>
+          </a:xfrm>
+        </p:spPr>
+        <p:txBody>
+          <a:bodyPr/>
+          <a:lstStyle/>
+          <a:p>
+            <a:endParaRPr lang="en-US" dirty="0"/>
+          </a:p>
+        </p:txBody>
+      </p:sp>
+      <p:sp>
+        <p:nvSpPr>
+          <p:cNvPr id="5" name="Content Placeholder 4"/>
           <p:cNvSpPr>
             <a:spLocks noGrp="1"/>
           </p:cNvSpPr>
@@ -3545,19 +3117,24 @@
             <p:ph idx="1"/>
           </p:nvPr>
         </p:nvSpPr>
-        <p:spPr/>
-        <p:txBody>
-          <a:bodyPr/>
-          <a:lstStyle/>
-          <a:p>
-            <a:endParaRPr lang="en-IN"/>
+        <p:spPr>
+          <a:xfrm>
+            <a:off x="838200" y="1296955"/>
+            <a:ext cx="10515600" cy="4880008"/>
+          </a:xfrm>
+        </p:spPr>
+        <p:txBody>
+          <a:bodyPr/>
+          <a:lstStyle/>
+          <a:p>
+            <a:endParaRPr lang="en-US" dirty="0"/>
           </a:p>
         </p:txBody>
       </p:sp>
     </p:spTree>
     <p:extLst>
       <p:ext uri="{BB962C8B-B14F-4D97-AF65-F5344CB8AC3E}">
-        <p14:creationId xmlns:p14="http://schemas.microsoft.com/office/powerpoint/2010/main" val="1184686156"/>
+        <p14:creationId xmlns:p14="http://schemas.microsoft.com/office/powerpoint/2010/main" val="3118115367"/>
       </p:ext>
     </p:extLst>
   </p:cSld>
@@ -3584,7 +3161,7 @@
         <a:srgbClr val="E7E6E6"/>
       </a:lt2>
       <a:accent1>
-        <a:srgbClr val="4472C4"/>
+        <a:srgbClr val="5B9BD5"/>
       </a:accent1>
       <a:accent2>
         <a:srgbClr val="ED7D31"/>
@@ -3596,7 +3173,7 @@
         <a:srgbClr val="FFC000"/>
       </a:accent4>
       <a:accent5>
-        <a:srgbClr val="5B9BD5"/>
+        <a:srgbClr val="4472C4"/>
       </a:accent5>
       <a:accent6>
         <a:srgbClr val="70AD47"/>
@@ -3610,12 +3187,12 @@
     </a:clrScheme>
     <a:fontScheme name="Office">
       <a:majorFont>
-        <a:latin typeface="Calibri Light" panose="020F0302020204030204"/>
+        <a:latin typeface="Calibri Light"/>
         <a:ea typeface=""/>
         <a:cs typeface=""/>
-        <a:font script="Jpan" typeface="游ゴシック Light"/>
+        <a:font script="Jpan" typeface="ＭＳ Ｐゴシック"/>
         <a:font script="Hang" typeface="맑은 고딕"/>
-        <a:font script="Hans" typeface="等线 Light"/>
+        <a:font script="Hans" typeface="宋体"/>
         <a:font script="Hant" typeface="新細明體"/>
         <a:font script="Arab" typeface="Times New Roman"/>
         <a:font script="Hebr" typeface="Times New Roman"/>
@@ -3643,31 +3220,14 @@
         <a:font script="Viet" typeface="Times New Roman"/>
         <a:font script="Uigh" typeface="Microsoft Uighur"/>
         <a:font script="Geor" typeface="Sylfaen"/>
-        <a:font script="Armn" typeface="Arial"/>
-        <a:font script="Bugi" typeface="Leelawadee UI"/>
-        <a:font script="Bopo" typeface="Microsoft JhengHei"/>
-        <a:font script="Java" typeface="Javanese Text"/>
-        <a:font script="Lisu" typeface="Segoe UI"/>
-        <a:font script="Mymr" typeface="Myanmar Text"/>
-        <a:font script="Nkoo" typeface="Ebrima"/>
-        <a:font script="Olck" typeface="Nirmala UI"/>
-        <a:font script="Osma" typeface="Ebrima"/>
-        <a:font script="Phag" typeface="Phagspa"/>
-        <a:font script="Syrn" typeface="Estrangelo Edessa"/>
-        <a:font script="Syrj" typeface="Estrangelo Edessa"/>
-        <a:font script="Syre" typeface="Estrangelo Edessa"/>
-        <a:font script="Sora" typeface="Nirmala UI"/>
-        <a:font script="Tale" typeface="Microsoft Tai Le"/>
-        <a:font script="Talu" typeface="Microsoft New Tai Lue"/>
-        <a:font script="Tfng" typeface="Ebrima"/>
       </a:majorFont>
       <a:minorFont>
-        <a:latin typeface="Calibri" panose="020F0502020204030204"/>
+        <a:latin typeface="Calibri"/>
         <a:ea typeface=""/>
         <a:cs typeface=""/>
-        <a:font script="Jpan" typeface="游ゴシック"/>
+        <a:font script="Jpan" typeface="ＭＳ Ｐゴシック"/>
         <a:font script="Hang" typeface="맑은 고딕"/>
-        <a:font script="Hans" typeface="等线"/>
+        <a:font script="Hans" typeface="宋体"/>
         <a:font script="Hant" typeface="新細明體"/>
         <a:font script="Arab" typeface="Arial"/>
         <a:font script="Hebr" typeface="Arial"/>
@@ -3695,23 +3255,6 @@
         <a:font script="Viet" typeface="Arial"/>
         <a:font script="Uigh" typeface="Microsoft Uighur"/>
         <a:font script="Geor" typeface="Sylfaen"/>
-        <a:font script="Armn" typeface="Arial"/>
-        <a:font script="Bugi" typeface="Leelawadee UI"/>
-        <a:font script="Bopo" typeface="Microsoft JhengHei"/>
-        <a:font script="Java" typeface="Javanese Text"/>
-        <a:font script="Lisu" typeface="Segoe UI"/>
-        <a:font script="Mymr" typeface="Myanmar Text"/>
-        <a:font script="Nkoo" typeface="Ebrima"/>
-        <a:font script="Olck" typeface="Nirmala UI"/>
-        <a:font script="Osma" typeface="Ebrima"/>
-        <a:font script="Phag" typeface="Phagspa"/>
-        <a:font script="Syrn" typeface="Estrangelo Edessa"/>
-        <a:font script="Syrj" typeface="Estrangelo Edessa"/>
-        <a:font script="Syre" typeface="Estrangelo Edessa"/>
-        <a:font script="Sora" typeface="Nirmala UI"/>
-        <a:font script="Tale" typeface="Microsoft Tai Le"/>
-        <a:font script="Talu" typeface="Microsoft New Tai Lue"/>
-        <a:font script="Tfng" typeface="Ebrima"/>
       </a:minorFont>
     </a:fontScheme>
     <a:fmtScheme name="Office">
